--- a/course/20190713/05第五节：手撕GO语言(2).pptx
+++ b/course/20190713/05第五节：手撕GO语言(2).pptx
@@ -631,7 +631,7 @@
             <a:fld id="{4D2C7CC7-EA73-4A76-879D-6BD4A239FD28}" type="datetimeFigureOut">
               <a:rPr lang="zh-CN" altLang="en-US" smtClean="0"/>
               <a:pPr/>
-              <a:t>2019/7/12</a:t>
+              <a:t>2019/7/27</a:t>
             </a:fld>
             <a:endParaRPr lang="zh-CN" altLang="en-US"/>
           </a:p>
@@ -798,7 +798,7 @@
             <a:fld id="{0BA62AD4-1182-4AB8-87B8-9386B7E1FBBA}" type="datetimeFigureOut">
               <a:rPr lang="zh-CN" altLang="en-US" smtClean="0"/>
               <a:pPr/>
-              <a:t>2019/7/12</a:t>
+              <a:t>2019/7/27</a:t>
             </a:fld>
             <a:endParaRPr lang="zh-CN" altLang="en-US"/>
           </a:p>
@@ -864,38 +864,37 @@
           <a:p>
             <a:pPr lvl="0"/>
             <a:r>
-              <a:rPr lang="zh-CN" altLang="en-US" smtClean="0"/>
+              <a:rPr lang="zh-CN" altLang="en-US"/>
               <a:t>单击此处编辑母版文本样式</a:t>
             </a:r>
           </a:p>
           <a:p>
             <a:pPr lvl="1"/>
             <a:r>
-              <a:rPr lang="zh-CN" altLang="en-US" smtClean="0"/>
+              <a:rPr lang="zh-CN" altLang="en-US"/>
               <a:t>第二级</a:t>
             </a:r>
           </a:p>
           <a:p>
             <a:pPr lvl="2"/>
             <a:r>
-              <a:rPr lang="zh-CN" altLang="en-US" smtClean="0"/>
+              <a:rPr lang="zh-CN" altLang="en-US"/>
               <a:t>第三级</a:t>
             </a:r>
           </a:p>
           <a:p>
             <a:pPr lvl="3"/>
             <a:r>
-              <a:rPr lang="zh-CN" altLang="en-US" smtClean="0"/>
+              <a:rPr lang="zh-CN" altLang="en-US"/>
               <a:t>第四级</a:t>
             </a:r>
           </a:p>
           <a:p>
             <a:pPr lvl="4"/>
             <a:r>
-              <a:rPr lang="zh-CN" altLang="en-US" smtClean="0"/>
+              <a:rPr lang="zh-CN" altLang="en-US"/>
               <a:t>第五级</a:t>
             </a:r>
-            <a:endParaRPr lang="zh-CN" altLang="en-US"/>
           </a:p>
         </p:txBody>
       </p:sp>
@@ -1500,7 +1499,7 @@
           <a:p>
             <a:pPr lvl="0"/>
             <a:r>
-              <a:rPr lang="zh-CN" altLang="en-US" noProof="1" smtClean="0"/>
+              <a:rPr lang="zh-CN" altLang="en-US" noProof="1"/>
               <a:t>单击编辑</a:t>
             </a:r>
           </a:p>
@@ -1746,10 +1745,9 @@
           </a:lstStyle>
           <a:p>
             <a:r>
-              <a:rPr lang="zh-CN" altLang="en-US" noProof="1" smtClean="0"/>
+              <a:rPr lang="zh-CN" altLang="en-US" noProof="1"/>
               <a:t>单击此处编辑母版标题样式</a:t>
             </a:r>
-            <a:endParaRPr lang="zh-CN" altLang="en-US" noProof="1"/>
           </a:p>
         </p:txBody>
       </p:sp>
@@ -1845,7 +1843,7 @@
             <a:fld id="{82F288E0-7875-42C4-84C8-98DBBD3BF4D2}" type="datetimeFigureOut">
               <a:rPr lang="zh-CN" altLang="en-US"/>
               <a:pPr/>
-              <a:t>2019/7/12</a:t>
+              <a:t>2019/7/27</a:t>
             </a:fld>
             <a:endParaRPr lang="zh-CN" altLang="en-US"/>
           </a:p>
@@ -2262,10 +2260,9 @@
           </a:lstStyle>
           <a:p>
             <a:r>
-              <a:rPr lang="zh-CN" altLang="en-US" noProof="1" smtClean="0"/>
+              <a:rPr lang="zh-CN" altLang="en-US" noProof="1"/>
               <a:t>单击此处编辑母版标题样式</a:t>
             </a:r>
-            <a:endParaRPr lang="zh-CN" altLang="en-US" noProof="1"/>
           </a:p>
         </p:txBody>
       </p:sp>
@@ -2356,38 +2353,37 @@
           <a:p>
             <a:pPr lvl="0"/>
             <a:r>
-              <a:rPr lang="zh-CN" altLang="en-US" noProof="1" smtClean="0"/>
+              <a:rPr lang="zh-CN" altLang="en-US" noProof="1"/>
               <a:t>单击此处编辑母版文本样式</a:t>
             </a:r>
           </a:p>
           <a:p>
             <a:pPr lvl="1"/>
             <a:r>
-              <a:rPr lang="zh-CN" altLang="en-US" noProof="1" smtClean="0"/>
+              <a:rPr lang="zh-CN" altLang="en-US" noProof="1"/>
               <a:t>第二级</a:t>
             </a:r>
           </a:p>
           <a:p>
             <a:pPr lvl="2"/>
             <a:r>
-              <a:rPr lang="zh-CN" altLang="en-US" noProof="1" smtClean="0"/>
+              <a:rPr lang="zh-CN" altLang="en-US" noProof="1"/>
               <a:t>第三级</a:t>
             </a:r>
           </a:p>
           <a:p>
             <a:pPr lvl="3"/>
             <a:r>
-              <a:rPr lang="zh-CN" altLang="en-US" noProof="1" smtClean="0"/>
+              <a:rPr lang="zh-CN" altLang="en-US" noProof="1"/>
               <a:t>第四级</a:t>
             </a:r>
           </a:p>
           <a:p>
             <a:pPr lvl="4"/>
             <a:r>
-              <a:rPr lang="zh-CN" altLang="en-US" noProof="1" smtClean="0"/>
+              <a:rPr lang="zh-CN" altLang="en-US" noProof="1"/>
               <a:t>第五级</a:t>
             </a:r>
-            <a:endParaRPr lang="zh-CN" altLang="en-US" noProof="1"/>
           </a:p>
         </p:txBody>
       </p:sp>
@@ -2470,10 +2466,9 @@
           <a:lstStyle/>
           <a:p>
             <a:r>
-              <a:rPr lang="zh-CN" altLang="en-US" smtClean="0"/>
+              <a:rPr lang="zh-CN" altLang="en-US"/>
               <a:t>单击此处编辑母版标题样式</a:t>
             </a:r>
-            <a:endParaRPr lang="zh-CN" altLang="en-US"/>
           </a:p>
         </p:txBody>
       </p:sp>
@@ -2494,38 +2489,37 @@
           <a:p>
             <a:pPr lvl="0"/>
             <a:r>
-              <a:rPr lang="zh-CN" altLang="en-US" smtClean="0"/>
+              <a:rPr lang="zh-CN" altLang="en-US"/>
               <a:t>单击此处编辑母版文本样式</a:t>
             </a:r>
           </a:p>
           <a:p>
             <a:pPr lvl="1"/>
             <a:r>
-              <a:rPr lang="zh-CN" altLang="en-US" smtClean="0"/>
+              <a:rPr lang="zh-CN" altLang="en-US"/>
               <a:t>第二级</a:t>
             </a:r>
           </a:p>
           <a:p>
             <a:pPr lvl="2"/>
             <a:r>
-              <a:rPr lang="zh-CN" altLang="en-US" smtClean="0"/>
+              <a:rPr lang="zh-CN" altLang="en-US"/>
               <a:t>第三级</a:t>
             </a:r>
           </a:p>
           <a:p>
             <a:pPr lvl="3"/>
             <a:r>
-              <a:rPr lang="zh-CN" altLang="en-US" smtClean="0"/>
+              <a:rPr lang="zh-CN" altLang="en-US"/>
               <a:t>第四级</a:t>
             </a:r>
           </a:p>
           <a:p>
             <a:pPr lvl="4"/>
             <a:r>
-              <a:rPr lang="zh-CN" altLang="en-US" smtClean="0"/>
+              <a:rPr lang="zh-CN" altLang="en-US"/>
               <a:t>第五级</a:t>
             </a:r>
-            <a:endParaRPr lang="zh-CN" altLang="en-US"/>
           </a:p>
         </p:txBody>
       </p:sp>
@@ -2585,7 +2579,7 @@
           <a:lstStyle/>
           <a:p>
             <a:r>
-              <a:rPr lang="zh-CN" altLang="en-US" noProof="1" smtClean="0"/>
+              <a:rPr lang="zh-CN" altLang="en-US" noProof="1"/>
               <a:t>单击此处编辑母版标题样式</a:t>
             </a:r>
             <a:endParaRPr lang="zh-CN" altLang="en-US" dirty="0"/>
@@ -2619,38 +2613,37 @@
           <a:p>
             <a:pPr lvl="0"/>
             <a:r>
-              <a:rPr lang="zh-CN" altLang="en-US" dirty="0" smtClean="0"/>
+              <a:rPr lang="zh-CN" altLang="en-US" dirty="0"/>
               <a:t>单击此处编辑母版文本样式</a:t>
             </a:r>
           </a:p>
           <a:p>
             <a:pPr lvl="1"/>
             <a:r>
-              <a:rPr lang="zh-CN" altLang="en-US" dirty="0" smtClean="0"/>
+              <a:rPr lang="zh-CN" altLang="en-US" dirty="0"/>
               <a:t>第二级</a:t>
             </a:r>
           </a:p>
           <a:p>
             <a:pPr lvl="2"/>
             <a:r>
-              <a:rPr lang="zh-CN" altLang="en-US" dirty="0" smtClean="0"/>
+              <a:rPr lang="zh-CN" altLang="en-US" dirty="0"/>
               <a:t>第三级</a:t>
             </a:r>
           </a:p>
           <a:p>
             <a:pPr lvl="3"/>
             <a:r>
-              <a:rPr lang="zh-CN" altLang="en-US" dirty="0" smtClean="0"/>
+              <a:rPr lang="zh-CN" altLang="en-US" dirty="0"/>
               <a:t>第四级</a:t>
             </a:r>
           </a:p>
           <a:p>
             <a:pPr lvl="4"/>
             <a:r>
-              <a:rPr lang="zh-CN" altLang="en-US" dirty="0" smtClean="0"/>
+              <a:rPr lang="zh-CN" altLang="en-US" dirty="0"/>
               <a:t>第五级</a:t>
             </a:r>
-            <a:endParaRPr lang="zh-CN" altLang="en-US" dirty="0"/>
           </a:p>
         </p:txBody>
       </p:sp>
@@ -3315,18 +3308,17 @@
           <a:lstStyle/>
           <a:p>
             <a:r>
-              <a:rPr lang="zh-CN" altLang="en-US" dirty="0" smtClean="0"/>
+              <a:rPr lang="zh-CN" altLang="en-US" dirty="0"/>
               <a:t>手撕</a:t>
             </a:r>
             <a:r>
-              <a:rPr lang="en-US" altLang="zh-CN" dirty="0" smtClean="0"/>
+              <a:rPr lang="en-US" altLang="zh-CN" dirty="0"/>
               <a:t>GO</a:t>
             </a:r>
             <a:r>
-              <a:rPr lang="zh-CN" altLang="en-US" dirty="0" smtClean="0"/>
+              <a:rPr lang="zh-CN" altLang="en-US" dirty="0"/>
               <a:t>语言</a:t>
             </a:r>
-            <a:endParaRPr lang="zh-CN" altLang="en-US" dirty="0"/>
           </a:p>
         </p:txBody>
       </p:sp>
@@ -3346,11 +3338,11 @@
           <a:lstStyle/>
           <a:p>
             <a:r>
-              <a:rPr lang="zh-CN" altLang="en-US" dirty="0" smtClean="0"/>
+              <a:rPr lang="zh-CN" altLang="en-US" dirty="0"/>
               <a:t>讲师：</a:t>
             </a:r>
             <a:r>
-              <a:rPr lang="en-US" altLang="zh-CN" dirty="0" smtClean="0"/>
+              <a:rPr lang="en-US" altLang="zh-CN" dirty="0"/>
               <a:t>XXX</a:t>
             </a:r>
             <a:endParaRPr lang="zh-CN" altLang="en-US" dirty="0"/>
@@ -3386,13 +3378,6 @@
   <p:clrMapOvr>
     <a:masterClrMapping/>
   </p:clrMapOvr>
-  <p:timing>
-    <p:tnLst>
-      <p:par>
-        <p:cTn id="1" dur="indefinite" restart="never" nodeType="tmRoot"/>
-      </p:par>
-    </p:tnLst>
-  </p:timing>
 </p:sld>
 </file>
 
@@ -3432,7 +3417,6 @@
               <a:rPr lang="zh-CN" altLang="en-US" dirty="0"/>
               <a:t>结构体</a:t>
             </a:r>
-            <a:endParaRPr lang="zh-CN" altLang="en-US" dirty="0"/>
           </a:p>
         </p:txBody>
       </p:sp>
@@ -3589,23 +3573,12 @@
           </a:lstStyle>
           <a:p>
             <a:r>
-              <a:rPr lang="zh-CN" altLang="en-US" sz="2800" b="1" dirty="0" smtClean="0">
-                <a:latin typeface="微软雅黑" panose="020B0503020204020204" pitchFamily="34" charset="-122"/>
-                <a:ea typeface="微软雅黑" panose="020B0503020204020204" pitchFamily="34" charset="-122"/>
-              </a:rPr>
-              <a:t>属性</a:t>
-            </a:r>
-            <a:r>
               <a:rPr lang="zh-CN" altLang="en-US" sz="2800" b="1" dirty="0">
                 <a:latin typeface="微软雅黑" panose="020B0503020204020204" pitchFamily="34" charset="-122"/>
                 <a:ea typeface="微软雅黑" panose="020B0503020204020204" pitchFamily="34" charset="-122"/>
               </a:rPr>
-              <a:t>的访问和修改</a:t>
-            </a:r>
-            <a:endParaRPr lang="zh-CN" altLang="en-US" sz="2800" b="1" dirty="0">
-              <a:latin typeface="微软雅黑" panose="020B0503020204020204" pitchFamily="34" charset="-122"/>
-              <a:ea typeface="微软雅黑" panose="020B0503020204020204" pitchFamily="34" charset="-122"/>
-            </a:endParaRPr>
+              <a:t>属性的访问和修改</a:t>
+            </a:r>
           </a:p>
         </p:txBody>
       </p:sp>
@@ -3898,13 +3871,6 @@
   <p:clrMapOvr>
     <a:masterClrMapping/>
   </p:clrMapOvr>
-  <p:timing>
-    <p:tnLst>
-      <p:par>
-        <p:cTn id="1" dur="indefinite" restart="never" nodeType="tmRoot"/>
-      </p:par>
-    </p:tnLst>
-  </p:timing>
 </p:sld>
 </file>
 
@@ -3944,7 +3910,6 @@
               <a:rPr lang="zh-CN" altLang="en-US" dirty="0"/>
               <a:t>结构体</a:t>
             </a:r>
-            <a:endParaRPr lang="zh-CN" altLang="en-US" dirty="0"/>
           </a:p>
         </p:txBody>
       </p:sp>
@@ -4101,23 +4066,12 @@
           </a:lstStyle>
           <a:p>
             <a:r>
-              <a:rPr lang="zh-CN" altLang="en-US" sz="2800" b="1" dirty="0" smtClean="0">
-                <a:latin typeface="微软雅黑" panose="020B0503020204020204" pitchFamily="34" charset="-122"/>
-                <a:ea typeface="微软雅黑" panose="020B0503020204020204" pitchFamily="34" charset="-122"/>
-              </a:rPr>
-              <a:t>匿名</a:t>
-            </a:r>
-            <a:r>
               <a:rPr lang="zh-CN" altLang="en-US" sz="2800" b="1" dirty="0">
                 <a:latin typeface="微软雅黑" panose="020B0503020204020204" pitchFamily="34" charset="-122"/>
                 <a:ea typeface="微软雅黑" panose="020B0503020204020204" pitchFamily="34" charset="-122"/>
               </a:rPr>
-              <a:t>结构体</a:t>
-            </a:r>
-            <a:endParaRPr lang="zh-CN" altLang="en-US" sz="2800" b="1" dirty="0">
-              <a:latin typeface="微软雅黑" panose="020B0503020204020204" pitchFamily="34" charset="-122"/>
-              <a:ea typeface="微软雅黑" panose="020B0503020204020204" pitchFamily="34" charset="-122"/>
-            </a:endParaRPr>
+              <a:t>匿名结构体</a:t>
+            </a:r>
           </a:p>
         </p:txBody>
       </p:sp>
@@ -4334,13 +4288,6 @@
   <p:clrMapOvr>
     <a:masterClrMapping/>
   </p:clrMapOvr>
-  <p:timing>
-    <p:tnLst>
-      <p:par>
-        <p:cTn id="1" dur="indefinite" restart="never" nodeType="tmRoot"/>
-      </p:par>
-    </p:tnLst>
-  </p:timing>
 </p:sld>
 </file>
 
@@ -4377,22 +4324,17 @@
           <a:lstStyle/>
           <a:p>
             <a:r>
-              <a:rPr lang="zh-CN" altLang="en-US" dirty="0" smtClean="0"/>
+              <a:rPr lang="zh-CN" altLang="en-US" dirty="0"/>
               <a:t>结构体</a:t>
             </a:r>
             <a:r>
-              <a:rPr lang="en-US" altLang="zh-CN" dirty="0" smtClean="0"/>
+              <a:rPr lang="en-US" altLang="zh-CN" dirty="0"/>
               <a:t>-</a:t>
             </a:r>
             <a:r>
               <a:rPr lang="zh-CN" altLang="en-US" dirty="0"/>
-              <a:t>命名</a:t>
-            </a:r>
-            <a:r>
-              <a:rPr lang="zh-CN" altLang="en-US" dirty="0" smtClean="0"/>
-              <a:t>嵌入</a:t>
-            </a:r>
-            <a:endParaRPr lang="zh-CN" altLang="en-US" dirty="0"/>
+              <a:t>命名嵌入</a:t>
+            </a:r>
           </a:p>
         </p:txBody>
       </p:sp>
@@ -4597,10 +4539,6 @@
               </a:rPr>
               <a:t>定义</a:t>
             </a:r>
-            <a:endParaRPr lang="zh-CN" altLang="en-US" sz="2800" b="1" dirty="0">
-              <a:latin typeface="微软雅黑" panose="020B0503020204020204" pitchFamily="34" charset="-122"/>
-              <a:ea typeface="微软雅黑" panose="020B0503020204020204" pitchFamily="34" charset="-122"/>
-            </a:endParaRPr>
           </a:p>
         </p:txBody>
       </p:sp>
@@ -4636,13 +4574,6 @@
   <p:clrMapOvr>
     <a:masterClrMapping/>
   </p:clrMapOvr>
-  <p:timing>
-    <p:tnLst>
-      <p:par>
-        <p:cTn id="1" dur="indefinite" restart="never" nodeType="tmRoot"/>
-      </p:par>
-    </p:tnLst>
-  </p:timing>
 </p:sld>
 </file>
 
@@ -4679,22 +4610,17 @@
           <a:lstStyle/>
           <a:p>
             <a:r>
-              <a:rPr lang="zh-CN" altLang="en-US" dirty="0" smtClean="0"/>
+              <a:rPr lang="zh-CN" altLang="en-US" dirty="0"/>
               <a:t>结构体</a:t>
             </a:r>
             <a:r>
-              <a:rPr lang="en-US" altLang="zh-CN" dirty="0" smtClean="0"/>
+              <a:rPr lang="en-US" altLang="zh-CN" dirty="0"/>
               <a:t>-</a:t>
             </a:r>
             <a:r>
               <a:rPr lang="zh-CN" altLang="en-US" dirty="0"/>
-              <a:t>命名</a:t>
-            </a:r>
-            <a:r>
-              <a:rPr lang="zh-CN" altLang="en-US" dirty="0" smtClean="0"/>
-              <a:t>嵌入</a:t>
-            </a:r>
-            <a:endParaRPr lang="zh-CN" altLang="en-US" dirty="0"/>
+              <a:t>命名嵌入</a:t>
+            </a:r>
           </a:p>
         </p:txBody>
       </p:sp>
@@ -4864,10 +4790,6 @@
               </a:rPr>
               <a:t>声明和初始化</a:t>
             </a:r>
-            <a:endParaRPr lang="zh-CN" altLang="en-US" sz="2800" b="1" dirty="0">
-              <a:latin typeface="微软雅黑" panose="020B0503020204020204" pitchFamily="34" charset="-122"/>
-              <a:ea typeface="微软雅黑" panose="020B0503020204020204" pitchFamily="34" charset="-122"/>
-            </a:endParaRPr>
           </a:p>
         </p:txBody>
       </p:sp>
@@ -5059,10 +4981,6 @@
               </a:rPr>
               <a:t>属性的访问和修改</a:t>
             </a:r>
-            <a:endParaRPr lang="zh-CN" altLang="en-US" sz="2800" b="1" dirty="0">
-              <a:latin typeface="微软雅黑" panose="020B0503020204020204" pitchFamily="34" charset="-122"/>
-              <a:ea typeface="微软雅黑" panose="020B0503020204020204" pitchFamily="34" charset="-122"/>
-            </a:endParaRPr>
           </a:p>
         </p:txBody>
       </p:sp>
@@ -5098,13 +5016,6 @@
   <p:clrMapOvr>
     <a:masterClrMapping/>
   </p:clrMapOvr>
-  <p:timing>
-    <p:tnLst>
-      <p:par>
-        <p:cTn id="1" dur="indefinite" restart="never" nodeType="tmRoot"/>
-      </p:par>
-    </p:tnLst>
-  </p:timing>
 </p:sld>
 </file>
 
@@ -5141,22 +5052,17 @@
           <a:lstStyle/>
           <a:p>
             <a:r>
-              <a:rPr lang="zh-CN" altLang="en-US" dirty="0" smtClean="0"/>
+              <a:rPr lang="zh-CN" altLang="en-US" dirty="0"/>
               <a:t>结构体</a:t>
             </a:r>
             <a:r>
-              <a:rPr lang="en-US" altLang="zh-CN" dirty="0" smtClean="0"/>
+              <a:rPr lang="en-US" altLang="zh-CN" dirty="0"/>
               <a:t>-</a:t>
             </a:r>
             <a:r>
               <a:rPr lang="zh-CN" altLang="en-US" dirty="0"/>
-              <a:t>匿名</a:t>
-            </a:r>
-            <a:r>
-              <a:rPr lang="zh-CN" altLang="en-US" dirty="0" smtClean="0"/>
-              <a:t>嵌入</a:t>
-            </a:r>
-            <a:endParaRPr lang="zh-CN" altLang="en-US" dirty="0"/>
+              <a:t>匿名嵌入</a:t>
+            </a:r>
           </a:p>
         </p:txBody>
       </p:sp>
@@ -5361,10 +5267,6 @@
               </a:rPr>
               <a:t>定义</a:t>
             </a:r>
-            <a:endParaRPr lang="zh-CN" altLang="en-US" sz="2800" b="1" dirty="0">
-              <a:latin typeface="微软雅黑" panose="020B0503020204020204" pitchFamily="34" charset="-122"/>
-              <a:ea typeface="微软雅黑" panose="020B0503020204020204" pitchFamily="34" charset="-122"/>
-            </a:endParaRPr>
           </a:p>
         </p:txBody>
       </p:sp>
@@ -5400,13 +5302,6 @@
   <p:clrMapOvr>
     <a:masterClrMapping/>
   </p:clrMapOvr>
-  <p:timing>
-    <p:tnLst>
-      <p:par>
-        <p:cTn id="1" dur="indefinite" restart="never" nodeType="tmRoot"/>
-      </p:par>
-    </p:tnLst>
-  </p:timing>
 </p:sld>
 </file>
 
@@ -5443,22 +5338,17 @@
           <a:lstStyle/>
           <a:p>
             <a:r>
-              <a:rPr lang="zh-CN" altLang="en-US" dirty="0" smtClean="0"/>
+              <a:rPr lang="zh-CN" altLang="en-US" dirty="0"/>
               <a:t>结构体</a:t>
             </a:r>
             <a:r>
-              <a:rPr lang="en-US" altLang="zh-CN" dirty="0" smtClean="0"/>
+              <a:rPr lang="en-US" altLang="zh-CN" dirty="0"/>
               <a:t>-</a:t>
             </a:r>
             <a:r>
               <a:rPr lang="zh-CN" altLang="en-US" dirty="0"/>
-              <a:t>匿名</a:t>
-            </a:r>
-            <a:r>
-              <a:rPr lang="zh-CN" altLang="en-US" dirty="0" smtClean="0"/>
-              <a:t>嵌入</a:t>
-            </a:r>
-            <a:endParaRPr lang="zh-CN" altLang="en-US" dirty="0"/>
+              <a:t>匿名嵌入</a:t>
+            </a:r>
           </a:p>
         </p:txBody>
       </p:sp>
@@ -5622,30 +5512,26 @@
               <a:t>2)	</a:t>
             </a:r>
             <a:r>
-              <a:rPr lang="zh-CN" altLang="en-US" sz="2800" b="1" dirty="0" smtClean="0">
+              <a:rPr lang="zh-CN" altLang="en-US" sz="2800" b="1" dirty="0">
                 <a:latin typeface="微软雅黑" panose="020B0503020204020204" pitchFamily="34" charset="-122"/>
                 <a:ea typeface="微软雅黑" panose="020B0503020204020204" pitchFamily="34" charset="-122"/>
               </a:rPr>
               <a:t>声明</a:t>
             </a:r>
             <a:r>
-              <a:rPr lang="en-US" altLang="zh-CN" sz="2800" b="1" dirty="0" smtClean="0">
+              <a:rPr lang="en-US" altLang="zh-CN" sz="2800" b="1" dirty="0">
                 <a:latin typeface="微软雅黑" panose="020B0503020204020204" pitchFamily="34" charset="-122"/>
                 <a:ea typeface="微软雅黑" panose="020B0503020204020204" pitchFamily="34" charset="-122"/>
               </a:rPr>
               <a:t>&amp;</a:t>
             </a:r>
             <a:r>
-              <a:rPr lang="zh-CN" altLang="en-US" sz="2800" b="1" dirty="0" smtClean="0">
+              <a:rPr lang="zh-CN" altLang="en-US" sz="2800" b="1" dirty="0">
                 <a:latin typeface="微软雅黑" panose="020B0503020204020204" pitchFamily="34" charset="-122"/>
                 <a:ea typeface="微软雅黑" panose="020B0503020204020204" pitchFamily="34" charset="-122"/>
               </a:rPr>
               <a:t>初始化</a:t>
             </a:r>
-            <a:endParaRPr lang="zh-CN" altLang="en-US" sz="2800" b="1" dirty="0">
-              <a:latin typeface="微软雅黑" panose="020B0503020204020204" pitchFamily="34" charset="-122"/>
-              <a:ea typeface="微软雅黑" panose="020B0503020204020204" pitchFamily="34" charset="-122"/>
-            </a:endParaRPr>
           </a:p>
         </p:txBody>
       </p:sp>
@@ -5738,13 +5624,6 @@
   <p:clrMapOvr>
     <a:masterClrMapping/>
   </p:clrMapOvr>
-  <p:timing>
-    <p:tnLst>
-      <p:par>
-        <p:cTn id="1" dur="indefinite" restart="never" nodeType="tmRoot"/>
-      </p:par>
-    </p:tnLst>
-  </p:timing>
 </p:sld>
 </file>
 
@@ -5781,22 +5660,17 @@
           <a:lstStyle/>
           <a:p>
             <a:r>
-              <a:rPr lang="zh-CN" altLang="en-US" dirty="0" smtClean="0"/>
+              <a:rPr lang="zh-CN" altLang="en-US" dirty="0"/>
               <a:t>结构体</a:t>
             </a:r>
             <a:r>
-              <a:rPr lang="en-US" altLang="zh-CN" dirty="0" smtClean="0"/>
+              <a:rPr lang="en-US" altLang="zh-CN" dirty="0"/>
               <a:t>-</a:t>
             </a:r>
             <a:r>
               <a:rPr lang="zh-CN" altLang="en-US" dirty="0"/>
-              <a:t>匿名</a:t>
-            </a:r>
-            <a:r>
-              <a:rPr lang="zh-CN" altLang="en-US" dirty="0" smtClean="0"/>
-              <a:t>嵌入</a:t>
-            </a:r>
-            <a:endParaRPr lang="zh-CN" altLang="en-US" dirty="0"/>
+              <a:t>匿名嵌入</a:t>
+            </a:r>
           </a:p>
         </p:txBody>
       </p:sp>
@@ -5966,10 +5840,6 @@
               </a:rPr>
               <a:t>属性访问和修改</a:t>
             </a:r>
-            <a:endParaRPr lang="zh-CN" altLang="en-US" sz="2800" b="1" dirty="0">
-              <a:latin typeface="微软雅黑" panose="020B0503020204020204" pitchFamily="34" charset="-122"/>
-              <a:ea typeface="微软雅黑" panose="020B0503020204020204" pitchFamily="34" charset="-122"/>
-            </a:endParaRPr>
           </a:p>
         </p:txBody>
       </p:sp>
@@ -6078,13 +5948,6 @@
   <p:clrMapOvr>
     <a:masterClrMapping/>
   </p:clrMapOvr>
-  <p:timing>
-    <p:tnLst>
-      <p:par>
-        <p:cTn id="1" dur="indefinite" restart="never" nodeType="tmRoot"/>
-      </p:par>
-    </p:tnLst>
-  </p:timing>
 </p:sld>
 </file>
 
@@ -6121,22 +5984,17 @@
           <a:lstStyle/>
           <a:p>
             <a:r>
-              <a:rPr lang="zh-CN" altLang="en-US" dirty="0" smtClean="0"/>
+              <a:rPr lang="zh-CN" altLang="en-US" dirty="0"/>
               <a:t>结构体</a:t>
             </a:r>
             <a:r>
-              <a:rPr lang="en-US" altLang="zh-CN" dirty="0" smtClean="0"/>
+              <a:rPr lang="en-US" altLang="zh-CN" dirty="0"/>
               <a:t>-</a:t>
             </a:r>
             <a:r>
               <a:rPr lang="zh-CN" altLang="en-US" dirty="0"/>
-              <a:t>匿名</a:t>
-            </a:r>
-            <a:r>
-              <a:rPr lang="zh-CN" altLang="en-US" dirty="0" smtClean="0"/>
-              <a:t>嵌入</a:t>
-            </a:r>
-            <a:endParaRPr lang="zh-CN" altLang="en-US" dirty="0"/>
+              <a:t>匿名嵌入</a:t>
+            </a:r>
           </a:p>
         </p:txBody>
       </p:sp>
@@ -6306,10 +6164,6 @@
               </a:rPr>
               <a:t>属性访问和修改</a:t>
             </a:r>
-            <a:endParaRPr lang="zh-CN" altLang="en-US" sz="2800" b="1" dirty="0">
-              <a:latin typeface="微软雅黑" panose="020B0503020204020204" pitchFamily="34" charset="-122"/>
-              <a:ea typeface="微软雅黑" panose="020B0503020204020204" pitchFamily="34" charset="-122"/>
-            </a:endParaRPr>
           </a:p>
         </p:txBody>
       </p:sp>
@@ -6367,13 +6221,6 @@
   <p:clrMapOvr>
     <a:masterClrMapping/>
   </p:clrMapOvr>
-  <p:timing>
-    <p:tnLst>
-      <p:par>
-        <p:cTn id="1" dur="indefinite" restart="never" nodeType="tmRoot"/>
-      </p:par>
-    </p:tnLst>
-  </p:timing>
 </p:sld>
 </file>
 
@@ -6410,20 +6257,16 @@
           <a:lstStyle/>
           <a:p>
             <a:r>
-              <a:rPr lang="zh-CN" altLang="en-US" dirty="0" smtClean="0"/>
+              <a:rPr lang="zh-CN" altLang="en-US" dirty="0"/>
               <a:t>结构体</a:t>
             </a:r>
             <a:r>
-              <a:rPr lang="en-US" altLang="zh-CN" dirty="0" smtClean="0"/>
+              <a:rPr lang="en-US" altLang="zh-CN" dirty="0"/>
               <a:t>-</a:t>
             </a:r>
             <a:r>
               <a:rPr lang="zh-CN" altLang="zh-CN" dirty="0"/>
-              <a:t>指针类型</a:t>
-            </a:r>
-            <a:r>
-              <a:rPr lang="zh-CN" altLang="zh-CN" dirty="0" smtClean="0"/>
-              <a:t>嵌入</a:t>
+              <a:t>指针类型嵌入</a:t>
             </a:r>
             <a:endParaRPr lang="zh-CN" altLang="en-US" dirty="0"/>
           </a:p>
@@ -6484,7 +6327,6 @@
               <a:rPr lang="zh-CN" altLang="zh-CN" dirty="0"/>
               <a:t>类型也可以为结构体指针</a:t>
             </a:r>
-            <a:endParaRPr lang="zh-CN" altLang="zh-CN" dirty="0"/>
           </a:p>
         </p:txBody>
       </p:sp>
@@ -6654,10 +6496,6 @@
               </a:rPr>
               <a:t>定义</a:t>
             </a:r>
-            <a:endParaRPr lang="zh-CN" altLang="en-US" sz="2800" b="1" dirty="0">
-              <a:latin typeface="微软雅黑" panose="020B0503020204020204" pitchFamily="34" charset="-122"/>
-              <a:ea typeface="微软雅黑" panose="020B0503020204020204" pitchFamily="34" charset="-122"/>
-            </a:endParaRPr>
           </a:p>
         </p:txBody>
       </p:sp>
@@ -6693,13 +6531,6 @@
   <p:clrMapOvr>
     <a:masterClrMapping/>
   </p:clrMapOvr>
-  <p:timing>
-    <p:tnLst>
-      <p:par>
-        <p:cTn id="1" dur="indefinite" restart="never" nodeType="tmRoot"/>
-      </p:par>
-    </p:tnLst>
-  </p:timing>
 </p:sld>
 </file>
 
@@ -6880,30 +6711,26 @@
               <a:t>2)	</a:t>
             </a:r>
             <a:r>
-              <a:rPr lang="zh-CN" altLang="en-US" sz="2800" b="1" dirty="0" smtClean="0">
+              <a:rPr lang="zh-CN" altLang="en-US" sz="2800" b="1" dirty="0">
                 <a:latin typeface="微软雅黑" panose="020B0503020204020204" pitchFamily="34" charset="-122"/>
                 <a:ea typeface="微软雅黑" panose="020B0503020204020204" pitchFamily="34" charset="-122"/>
               </a:rPr>
               <a:t>声明</a:t>
             </a:r>
             <a:r>
-              <a:rPr lang="en-US" altLang="zh-CN" sz="2800" b="1" dirty="0" smtClean="0">
+              <a:rPr lang="en-US" altLang="zh-CN" sz="2800" b="1" dirty="0">
                 <a:latin typeface="微软雅黑" panose="020B0503020204020204" pitchFamily="34" charset="-122"/>
                 <a:ea typeface="微软雅黑" panose="020B0503020204020204" pitchFamily="34" charset="-122"/>
               </a:rPr>
               <a:t>&amp;</a:t>
             </a:r>
             <a:r>
-              <a:rPr lang="zh-CN" altLang="en-US" sz="2800" b="1" dirty="0" smtClean="0">
+              <a:rPr lang="zh-CN" altLang="en-US" sz="2800" b="1" dirty="0">
                 <a:latin typeface="微软雅黑" panose="020B0503020204020204" pitchFamily="34" charset="-122"/>
                 <a:ea typeface="微软雅黑" panose="020B0503020204020204" pitchFamily="34" charset="-122"/>
               </a:rPr>
               <a:t>初始化</a:t>
             </a:r>
-            <a:endParaRPr lang="zh-CN" altLang="en-US" sz="2800" b="1" dirty="0">
-              <a:latin typeface="微软雅黑" panose="020B0503020204020204" pitchFamily="34" charset="-122"/>
-              <a:ea typeface="微软雅黑" panose="020B0503020204020204" pitchFamily="34" charset="-122"/>
-            </a:endParaRPr>
           </a:p>
         </p:txBody>
       </p:sp>
@@ -6938,7 +6765,6 @@
               <a:rPr lang="zh-CN" altLang="zh-CN" dirty="0"/>
               <a:t>使用属性为指针类型底层共享数据结构，当底层数据发生变化，所有引用都会发生影响</a:t>
             </a:r>
-            <a:endParaRPr lang="zh-CN" altLang="zh-CN" dirty="0"/>
           </a:p>
         </p:txBody>
       </p:sp>
@@ -6963,20 +6789,16 @@
           <a:lstStyle/>
           <a:p>
             <a:r>
-              <a:rPr lang="zh-CN" altLang="en-US" dirty="0" smtClean="0"/>
+              <a:rPr lang="zh-CN" altLang="en-US" dirty="0"/>
               <a:t>结构体</a:t>
             </a:r>
             <a:r>
-              <a:rPr lang="en-US" altLang="zh-CN" dirty="0" smtClean="0"/>
+              <a:rPr lang="en-US" altLang="zh-CN" dirty="0"/>
               <a:t>-</a:t>
             </a:r>
             <a:r>
               <a:rPr lang="zh-CN" altLang="zh-CN" dirty="0"/>
-              <a:t>指针类型</a:t>
-            </a:r>
-            <a:r>
-              <a:rPr lang="zh-CN" altLang="zh-CN" dirty="0" smtClean="0"/>
-              <a:t>嵌入</a:t>
+              <a:t>指针类型嵌入</a:t>
             </a:r>
             <a:endParaRPr lang="zh-CN" altLang="en-US" dirty="0"/>
           </a:p>
@@ -7014,13 +6836,6 @@
   <p:clrMapOvr>
     <a:masterClrMapping/>
   </p:clrMapOvr>
-  <p:timing>
-    <p:tnLst>
-      <p:par>
-        <p:cTn id="1" dur="indefinite" restart="never" nodeType="tmRoot"/>
-      </p:par>
-    </p:tnLst>
-  </p:timing>
 </p:sld>
 </file>
 
@@ -7058,11 +6873,7 @@
           <a:p>
             <a:r>
               <a:rPr lang="zh-CN" altLang="en-US" dirty="0"/>
-              <a:t>课程</a:t>
-            </a:r>
-            <a:r>
-              <a:rPr lang="zh-CN" altLang="en-US" dirty="0" smtClean="0"/>
-              <a:t>内容</a:t>
+              <a:t>课程内容</a:t>
             </a:r>
           </a:p>
         </p:txBody>
@@ -7090,31 +6901,30 @@
           <a:lstStyle/>
           <a:p>
             <a:r>
-              <a:rPr lang="zh-CN" altLang="en-US" sz="2800" dirty="0" smtClean="0"/>
+              <a:rPr lang="zh-CN" altLang="en-US" sz="2800" dirty="0"/>
               <a:t>结构体</a:t>
             </a:r>
-            <a:endParaRPr lang="en-US" altLang="zh-CN" sz="2800" dirty="0" smtClean="0"/>
-          </a:p>
-          <a:p>
-            <a:r>
-              <a:rPr lang="zh-CN" altLang="en-US" sz="2800" dirty="0" smtClean="0"/>
+            <a:endParaRPr lang="en-US" altLang="zh-CN" sz="2800" dirty="0"/>
+          </a:p>
+          <a:p>
+            <a:r>
+              <a:rPr lang="zh-CN" altLang="en-US" sz="2800" dirty="0"/>
               <a:t>方法</a:t>
             </a:r>
-            <a:endParaRPr lang="en-US" altLang="zh-CN" sz="2800" dirty="0" smtClean="0"/>
-          </a:p>
-          <a:p>
-            <a:r>
-              <a:rPr lang="zh-CN" altLang="en-US" sz="2800" dirty="0" smtClean="0"/>
+            <a:endParaRPr lang="en-US" altLang="zh-CN" sz="2800" dirty="0"/>
+          </a:p>
+          <a:p>
+            <a:r>
+              <a:rPr lang="zh-CN" altLang="en-US" sz="2800" dirty="0"/>
               <a:t>练习</a:t>
             </a:r>
-            <a:endParaRPr lang="en-US" altLang="zh-CN" sz="2800" dirty="0" smtClean="0"/>
-          </a:p>
-          <a:p>
-            <a:r>
-              <a:rPr lang="zh-CN" altLang="en-US" sz="2800" dirty="0" smtClean="0"/>
+            <a:endParaRPr lang="en-US" altLang="zh-CN" sz="2800" dirty="0"/>
+          </a:p>
+          <a:p>
+            <a:r>
+              <a:rPr lang="zh-CN" altLang="en-US" sz="2800" dirty="0"/>
               <a:t>作业</a:t>
             </a:r>
-            <a:endParaRPr lang="zh-CN" altLang="en-US" sz="2800" dirty="0"/>
           </a:p>
         </p:txBody>
       </p:sp>
@@ -7128,13 +6938,6 @@
   <p:clrMapOvr>
     <a:masterClrMapping/>
   </p:clrMapOvr>
-  <p:timing>
-    <p:tnLst>
-      <p:par>
-        <p:cTn id="1" dur="indefinite" restart="never" nodeType="tmRoot"/>
-      </p:par>
-    </p:tnLst>
-  </p:timing>
 </p:sld>
 </file>
 
@@ -7315,30 +7118,26 @@
               <a:t>2)	</a:t>
             </a:r>
             <a:r>
-              <a:rPr lang="zh-CN" altLang="en-US" sz="2800" b="1" dirty="0" smtClean="0">
+              <a:rPr lang="zh-CN" altLang="en-US" sz="2800" b="1" dirty="0">
                 <a:latin typeface="微软雅黑" panose="020B0503020204020204" pitchFamily="34" charset="-122"/>
                 <a:ea typeface="微软雅黑" panose="020B0503020204020204" pitchFamily="34" charset="-122"/>
               </a:rPr>
               <a:t>声明</a:t>
             </a:r>
             <a:r>
-              <a:rPr lang="en-US" altLang="zh-CN" sz="2800" b="1" dirty="0" smtClean="0">
+              <a:rPr lang="en-US" altLang="zh-CN" sz="2800" b="1" dirty="0">
                 <a:latin typeface="微软雅黑" panose="020B0503020204020204" pitchFamily="34" charset="-122"/>
                 <a:ea typeface="微软雅黑" panose="020B0503020204020204" pitchFamily="34" charset="-122"/>
               </a:rPr>
               <a:t>&amp;</a:t>
             </a:r>
             <a:r>
-              <a:rPr lang="zh-CN" altLang="en-US" sz="2800" b="1" dirty="0" smtClean="0">
+              <a:rPr lang="zh-CN" altLang="en-US" sz="2800" b="1" dirty="0">
                 <a:latin typeface="微软雅黑" panose="020B0503020204020204" pitchFamily="34" charset="-122"/>
                 <a:ea typeface="微软雅黑" panose="020B0503020204020204" pitchFamily="34" charset="-122"/>
               </a:rPr>
               <a:t>初始化</a:t>
             </a:r>
-            <a:endParaRPr lang="zh-CN" altLang="en-US" sz="2800" b="1" dirty="0">
-              <a:latin typeface="微软雅黑" panose="020B0503020204020204" pitchFamily="34" charset="-122"/>
-              <a:ea typeface="微软雅黑" panose="020B0503020204020204" pitchFamily="34" charset="-122"/>
-            </a:endParaRPr>
           </a:p>
         </p:txBody>
       </p:sp>
@@ -7397,20 +7196,16 @@
           <a:lstStyle/>
           <a:p>
             <a:r>
-              <a:rPr lang="zh-CN" altLang="en-US" dirty="0" smtClean="0"/>
+              <a:rPr lang="zh-CN" altLang="en-US" dirty="0"/>
               <a:t>结构体</a:t>
             </a:r>
             <a:r>
-              <a:rPr lang="en-US" altLang="zh-CN" dirty="0" smtClean="0"/>
+              <a:rPr lang="en-US" altLang="zh-CN" dirty="0"/>
               <a:t>-</a:t>
             </a:r>
             <a:r>
               <a:rPr lang="zh-CN" altLang="zh-CN" dirty="0"/>
-              <a:t>指针类型</a:t>
-            </a:r>
-            <a:r>
-              <a:rPr lang="zh-CN" altLang="zh-CN" dirty="0" smtClean="0"/>
-              <a:t>嵌入</a:t>
+              <a:t>指针类型嵌入</a:t>
             </a:r>
             <a:endParaRPr lang="zh-CN" altLang="en-US" dirty="0"/>
           </a:p>
@@ -7448,13 +7243,6 @@
   <p:clrMapOvr>
     <a:masterClrMapping/>
   </p:clrMapOvr>
-  <p:timing>
-    <p:tnLst>
-      <p:par>
-        <p:cTn id="1" dur="indefinite" restart="never" nodeType="tmRoot"/>
-      </p:par>
-    </p:tnLst>
-  </p:timing>
 </p:sld>
 </file>
 
@@ -7494,7 +7282,6 @@
               <a:rPr lang="zh-CN" altLang="en-US" dirty="0"/>
               <a:t>结构体</a:t>
             </a:r>
-            <a:endParaRPr lang="zh-CN" altLang="en-US" dirty="0"/>
           </a:p>
         </p:txBody>
       </p:sp>
@@ -7651,16 +7438,12 @@
           </a:lstStyle>
           <a:p>
             <a:r>
-              <a:rPr lang="zh-CN" altLang="en-US" sz="2800" b="1" dirty="0" smtClean="0">
+              <a:rPr lang="zh-CN" altLang="en-US" sz="2800" b="1" dirty="0">
                 <a:latin typeface="微软雅黑" panose="020B0503020204020204" pitchFamily="34" charset="-122"/>
                 <a:ea typeface="微软雅黑" panose="020B0503020204020204" pitchFamily="34" charset="-122"/>
               </a:rPr>
               <a:t>可见性</a:t>
             </a:r>
-            <a:endParaRPr lang="zh-CN" altLang="en-US" sz="2800" b="1" dirty="0">
-              <a:latin typeface="微软雅黑" panose="020B0503020204020204" pitchFamily="34" charset="-122"/>
-              <a:ea typeface="微软雅黑" panose="020B0503020204020204" pitchFamily="34" charset="-122"/>
-            </a:endParaRPr>
           </a:p>
         </p:txBody>
       </p:sp>
@@ -8098,12 +7881,8 @@
               <a:buNone/>
             </a:pPr>
             <a:r>
-              <a:rPr lang="zh-CN" altLang="en-US" dirty="0" smtClean="0"/>
-              <a:t>结构体</a:t>
-            </a:r>
-            <a:r>
               <a:rPr lang="zh-CN" altLang="en-US" dirty="0"/>
-              <a:t>名首字母大写，属性名大写：结构体可在包外使用，且访问其大写的属性名</a:t>
+              <a:t>结构体名首字母大写，属性名大写：结构体可在包外使用，且访问其大写的属性名</a:t>
             </a:r>
           </a:p>
           <a:p>
@@ -8114,12 +7893,8 @@
               <a:buNone/>
             </a:pPr>
             <a:r>
-              <a:rPr lang="zh-CN" altLang="en-US" dirty="0" smtClean="0"/>
-              <a:t>结构体</a:t>
-            </a:r>
-            <a:r>
               <a:rPr lang="zh-CN" altLang="en-US" dirty="0"/>
-              <a:t>名首字母大写，属性名小写：结构体可在包外使用，且不能访问其小写的属性名</a:t>
+              <a:t>结构体名首字母大写，属性名小写：结构体可在包外使用，且不能访问其小写的属性名</a:t>
             </a:r>
           </a:p>
           <a:p>
@@ -8130,12 +7905,8 @@
               <a:buNone/>
             </a:pPr>
             <a:r>
-              <a:rPr lang="zh-CN" altLang="en-US" dirty="0" smtClean="0"/>
-              <a:t>结构体</a:t>
-            </a:r>
-            <a:r>
               <a:rPr lang="zh-CN" altLang="en-US" dirty="0"/>
-              <a:t>名首字母小写，属性名大写：结构体只能在包内使用，属性访问在结构体嵌入时由被嵌入结构体</a:t>
+              <a:t>结构体名首字母小写，属性名大写：结构体只能在包内使用，属性访问在结构体嵌入时由被嵌入结构体</a:t>
             </a:r>
             <a:r>
               <a:rPr lang="en-US" altLang="zh-CN" dirty="0"/>
@@ -8162,12 +7933,8 @@
               <a:buNone/>
             </a:pPr>
             <a:r>
-              <a:rPr lang="zh-CN" altLang="en-US" dirty="0" smtClean="0"/>
-              <a:t>结构体</a:t>
-            </a:r>
-            <a:r>
               <a:rPr lang="zh-CN" altLang="en-US" dirty="0"/>
-              <a:t>名首字母小写，属性名小写：结构体只能在包内使用</a:t>
+              <a:t>结构体名首字母小写，属性名小写：结构体只能在包内使用</a:t>
             </a:r>
           </a:p>
         </p:txBody>
@@ -8182,13 +7949,6 @@
   <p:clrMapOvr>
     <a:masterClrMapping/>
   </p:clrMapOvr>
-  <p:timing>
-    <p:tnLst>
-      <p:par>
-        <p:cTn id="1" dur="indefinite" restart="never" nodeType="tmRoot"/>
-      </p:par>
-    </p:tnLst>
-  </p:timing>
 </p:sld>
 </file>
 
@@ -8228,7 +7988,6 @@
               <a:rPr lang="zh-CN" altLang="en-US" dirty="0"/>
               <a:t>方法</a:t>
             </a:r>
-            <a:endParaRPr lang="zh-CN" altLang="en-US" dirty="0"/>
           </a:p>
         </p:txBody>
       </p:sp>
@@ -8433,10 +8192,6 @@
               </a:rPr>
               <a:t>定义</a:t>
             </a:r>
-            <a:endParaRPr lang="zh-CN" altLang="en-US" sz="2800" b="1" dirty="0">
-              <a:latin typeface="微软雅黑" panose="020B0503020204020204" pitchFamily="34" charset="-122"/>
-              <a:ea typeface="微软雅黑" panose="020B0503020204020204" pitchFamily="34" charset="-122"/>
-            </a:endParaRPr>
           </a:p>
         </p:txBody>
       </p:sp>
@@ -8610,17 +8365,13 @@
           <a:p>
             <a:r>
               <a:rPr lang="zh-CN" altLang="en-US" dirty="0"/>
-              <a:t>方法是添加了接收者的函数，接收者必须是自定义的</a:t>
-            </a:r>
-            <a:r>
-              <a:rPr lang="zh-CN" altLang="en-US" dirty="0" smtClean="0"/>
-              <a:t>类型</a:t>
-            </a:r>
-            <a:endParaRPr lang="en-US" altLang="zh-CN" dirty="0" smtClean="0"/>
-          </a:p>
-          <a:p>
-            <a:r>
-              <a:rPr lang="zh-CN" altLang="en-US" b="1" dirty="0" smtClean="0"/>
+              <a:t>方法是添加了接收者的函数，接收者必须是自定义的类型</a:t>
+            </a:r>
+            <a:endParaRPr lang="en-US" altLang="zh-CN" dirty="0"/>
+          </a:p>
+          <a:p>
+            <a:r>
+              <a:rPr lang="zh-CN" altLang="en-US" b="1" dirty="0"/>
               <a:t>                                                                   举例：</a:t>
             </a:r>
             <a:endParaRPr lang="en-US" altLang="zh-CN" b="1" dirty="0"/>
@@ -8681,13 +8432,6 @@
   <p:clrMapOvr>
     <a:masterClrMapping/>
   </p:clrMapOvr>
-  <p:timing>
-    <p:tnLst>
-      <p:par>
-        <p:cTn id="1" dur="indefinite" restart="never" nodeType="tmRoot"/>
-      </p:par>
-    </p:tnLst>
-  </p:timing>
 </p:sld>
 </file>
 
@@ -8727,7 +8471,6 @@
               <a:rPr lang="zh-CN" altLang="en-US" dirty="0"/>
               <a:t>方法</a:t>
             </a:r>
-            <a:endParaRPr lang="zh-CN" altLang="en-US" dirty="0"/>
           </a:p>
         </p:txBody>
       </p:sp>
@@ -8897,10 +8640,6 @@
               </a:rPr>
               <a:t>调用</a:t>
             </a:r>
-            <a:endParaRPr lang="zh-CN" altLang="en-US" sz="2800" b="1" dirty="0">
-              <a:latin typeface="微软雅黑" panose="020B0503020204020204" pitchFamily="34" charset="-122"/>
-              <a:ea typeface="微软雅黑" panose="020B0503020204020204" pitchFamily="34" charset="-122"/>
-            </a:endParaRPr>
           </a:p>
         </p:txBody>
       </p:sp>
@@ -9105,7 +8844,7 @@
               <a:rPr lang="zh-CN" altLang="en-US" dirty="0"/>
               <a:t>给方法的接收者（值类型，拷贝）</a:t>
             </a:r>
-            <a:endParaRPr lang="en-US" altLang="zh-CN" dirty="0" smtClean="0"/>
+            <a:endParaRPr lang="en-US" altLang="zh-CN" dirty="0"/>
           </a:p>
         </p:txBody>
       </p:sp>
@@ -9141,13 +8880,6 @@
   <p:clrMapOvr>
     <a:masterClrMapping/>
   </p:clrMapOvr>
-  <p:timing>
-    <p:tnLst>
-      <p:par>
-        <p:cTn id="1" dur="indefinite" restart="never" nodeType="tmRoot"/>
-      </p:par>
-    </p:tnLst>
-  </p:timing>
 </p:sld>
 </file>
 
@@ -9187,7 +8919,6 @@
               <a:rPr lang="zh-CN" altLang="en-US" dirty="0"/>
               <a:t>方法</a:t>
             </a:r>
-            <a:endParaRPr lang="zh-CN" altLang="en-US" dirty="0"/>
           </a:p>
         </p:txBody>
       </p:sp>
@@ -9357,10 +9088,6 @@
               </a:rPr>
               <a:t>指针接收者</a:t>
             </a:r>
-            <a:endParaRPr lang="zh-CN" altLang="en-US" sz="2800" b="1" dirty="0">
-              <a:latin typeface="微软雅黑" panose="020B0503020204020204" pitchFamily="34" charset="-122"/>
-              <a:ea typeface="微软雅黑" panose="020B0503020204020204" pitchFamily="34" charset="-122"/>
-            </a:endParaRPr>
           </a:p>
         </p:txBody>
       </p:sp>
@@ -9546,7 +9273,7 @@
               <a:rPr lang="zh-CN" altLang="en-US" dirty="0"/>
               <a:t>声明</a:t>
             </a:r>
-            <a:endParaRPr lang="en-US" altLang="zh-CN" dirty="0" smtClean="0"/>
+            <a:endParaRPr lang="en-US" altLang="zh-CN" dirty="0"/>
           </a:p>
         </p:txBody>
       </p:sp>
@@ -9754,7 +9481,7 @@
               <a:rPr lang="zh-CN" altLang="en-US" dirty="0"/>
               <a:t>调用</a:t>
             </a:r>
-            <a:endParaRPr lang="en-US" altLang="zh-CN" dirty="0" smtClean="0"/>
+            <a:endParaRPr lang="en-US" altLang="zh-CN" dirty="0"/>
           </a:p>
         </p:txBody>
       </p:sp>
@@ -10019,13 +9746,6 @@
   <p:clrMapOvr>
     <a:masterClrMapping/>
   </p:clrMapOvr>
-  <p:timing>
-    <p:tnLst>
-      <p:par>
-        <p:cTn id="1" dur="indefinite" restart="never" nodeType="tmRoot"/>
-      </p:par>
-    </p:tnLst>
-  </p:timing>
 </p:sld>
 </file>
 
@@ -10065,7 +9785,6 @@
               <a:rPr lang="zh-CN" altLang="en-US" dirty="0"/>
               <a:t>方法</a:t>
             </a:r>
-            <a:endParaRPr lang="zh-CN" altLang="en-US" dirty="0"/>
           </a:p>
         </p:txBody>
       </p:sp>
@@ -10235,10 +9954,6 @@
               </a:rPr>
               <a:t>指针接收者</a:t>
             </a:r>
-            <a:endParaRPr lang="zh-CN" altLang="en-US" sz="2800" b="1" dirty="0">
-              <a:latin typeface="微软雅黑" panose="020B0503020204020204" pitchFamily="34" charset="-122"/>
-              <a:ea typeface="微软雅黑" panose="020B0503020204020204" pitchFamily="34" charset="-122"/>
-            </a:endParaRPr>
           </a:p>
         </p:txBody>
       </p:sp>
@@ -10425,13 +10140,8 @@
             </a:r>
             <a:r>
               <a:rPr lang="zh-CN" altLang="en-US" dirty="0"/>
-              <a:t>方法的参数必须保持变量类型</a:t>
-            </a:r>
-            <a:r>
-              <a:rPr lang="zh-CN" altLang="en-US" dirty="0" smtClean="0"/>
-              <a:t>一一对应</a:t>
-            </a:r>
-            <a:endParaRPr lang="zh-CN" altLang="en-US" dirty="0"/>
+              <a:t>方法的参数必须保持变量类型一一对应</a:t>
+            </a:r>
           </a:p>
         </p:txBody>
       </p:sp>
@@ -10467,13 +10177,6 @@
   <p:clrMapOvr>
     <a:masterClrMapping/>
   </p:clrMapOvr>
-  <p:timing>
-    <p:tnLst>
-      <p:par>
-        <p:cTn id="1" dur="indefinite" restart="never" nodeType="tmRoot"/>
-      </p:par>
-    </p:tnLst>
-  </p:timing>
 </p:sld>
 </file>
 
@@ -10513,7 +10216,6 @@
               <a:rPr lang="zh-CN" altLang="en-US" dirty="0"/>
               <a:t>方法</a:t>
             </a:r>
-            <a:endParaRPr lang="zh-CN" altLang="en-US" dirty="0"/>
           </a:p>
         </p:txBody>
       </p:sp>
@@ -10683,10 +10385,6 @@
               </a:rPr>
               <a:t>指针接收者</a:t>
             </a:r>
-            <a:endParaRPr lang="zh-CN" altLang="en-US" sz="2800" b="1" dirty="0">
-              <a:latin typeface="微软雅黑" panose="020B0503020204020204" pitchFamily="34" charset="-122"/>
-              <a:ea typeface="微软雅黑" panose="020B0503020204020204" pitchFamily="34" charset="-122"/>
-            </a:endParaRPr>
           </a:p>
         </p:txBody>
       </p:sp>
@@ -10864,12 +10562,8 @@
               </a:lnSpc>
             </a:pPr>
             <a:r>
-              <a:rPr lang="zh-CN" altLang="en-US" dirty="0" smtClean="0"/>
-              <a:t>该</a:t>
-            </a:r>
-            <a:r>
               <a:rPr lang="zh-CN" altLang="en-US" dirty="0"/>
-              <a:t>使用值接收者还是指针接收者，取决于是否现需要修改原始结构体</a:t>
+              <a:t>该使用值接收者还是指针接收者，取决于是否现需要修改原始结构体</a:t>
             </a:r>
           </a:p>
           <a:p>
@@ -10880,12 +10574,8 @@
               <a:buNone/>
             </a:pPr>
             <a:r>
-              <a:rPr lang="zh-CN" altLang="en-US" dirty="0" smtClean="0"/>
-              <a:t>若</a:t>
-            </a:r>
-            <a:r>
               <a:rPr lang="zh-CN" altLang="en-US" dirty="0"/>
-              <a:t>不需要修改则使用值，若需要修改则使用指针</a:t>
+              <a:t>若不需要修改则使用值，若需要修改则使用指针</a:t>
             </a:r>
           </a:p>
           <a:p>
@@ -10896,18 +10586,10 @@
               <a:buNone/>
             </a:pPr>
             <a:r>
-              <a:rPr lang="zh-CN" altLang="en-US" dirty="0" smtClean="0"/>
-              <a:t>若</a:t>
-            </a:r>
-            <a:r>
               <a:rPr lang="zh-CN" altLang="en-US" dirty="0"/>
-              <a:t>存在指针接收者，则所有方法使用指针</a:t>
-            </a:r>
-            <a:r>
-              <a:rPr lang="zh-CN" altLang="en-US" dirty="0" smtClean="0"/>
-              <a:t>接收者</a:t>
-            </a:r>
-            <a:endParaRPr lang="en-US" altLang="zh-CN" dirty="0" smtClean="0"/>
+              <a:t>若存在指针接收者，则所有方法使用指针接收者</a:t>
+            </a:r>
+            <a:endParaRPr lang="en-US" altLang="zh-CN" dirty="0"/>
           </a:p>
           <a:p>
             <a:pPr marL="400050" lvl="1" indent="0">
@@ -11004,13 +10686,6 @@
   <p:clrMapOvr>
     <a:masterClrMapping/>
   </p:clrMapOvr>
-  <p:timing>
-    <p:tnLst>
-      <p:par>
-        <p:cTn id="1" dur="indefinite" restart="never" nodeType="tmRoot"/>
-      </p:par>
-    </p:tnLst>
-  </p:timing>
 </p:sld>
 </file>
 
@@ -11050,7 +10725,6 @@
               <a:rPr lang="zh-CN" altLang="en-US" dirty="0"/>
               <a:t>方法</a:t>
             </a:r>
-            <a:endParaRPr lang="zh-CN" altLang="en-US" dirty="0"/>
           </a:p>
         </p:txBody>
       </p:sp>
@@ -11220,10 +10894,6 @@
               </a:rPr>
               <a:t>匿名嵌入</a:t>
             </a:r>
-            <a:endParaRPr lang="zh-CN" altLang="en-US" sz="2800" b="1" dirty="0">
-              <a:latin typeface="微软雅黑" panose="020B0503020204020204" pitchFamily="34" charset="-122"/>
-              <a:ea typeface="微软雅黑" panose="020B0503020204020204" pitchFamily="34" charset="-122"/>
-            </a:endParaRPr>
           </a:p>
         </p:txBody>
       </p:sp>
@@ -11474,13 +11144,6 @@
   <p:clrMapOvr>
     <a:masterClrMapping/>
   </p:clrMapOvr>
-  <p:timing>
-    <p:tnLst>
-      <p:par>
-        <p:cTn id="1" dur="indefinite" restart="never" nodeType="tmRoot"/>
-      </p:par>
-    </p:tnLst>
-  </p:timing>
 </p:sld>
 </file>
 
@@ -11520,7 +11183,6 @@
               <a:rPr lang="zh-CN" altLang="en-US" dirty="0"/>
               <a:t>方法</a:t>
             </a:r>
-            <a:endParaRPr lang="zh-CN" altLang="en-US" dirty="0"/>
           </a:p>
         </p:txBody>
       </p:sp>
@@ -11690,10 +11352,6 @@
               </a:rPr>
               <a:t>匿名嵌入</a:t>
             </a:r>
-            <a:endParaRPr lang="zh-CN" altLang="en-US" sz="2800" b="1" dirty="0">
-              <a:latin typeface="微软雅黑" panose="020B0503020204020204" pitchFamily="34" charset="-122"/>
-              <a:ea typeface="微软雅黑" panose="020B0503020204020204" pitchFamily="34" charset="-122"/>
-            </a:endParaRPr>
           </a:p>
         </p:txBody>
       </p:sp>
@@ -11771,13 +11429,6 @@
   <p:clrMapOvr>
     <a:masterClrMapping/>
   </p:clrMapOvr>
-  <p:timing>
-    <p:tnLst>
-      <p:par>
-        <p:cTn id="1" dur="indefinite" restart="never" nodeType="tmRoot"/>
-      </p:par>
-    </p:tnLst>
-  </p:timing>
 </p:sld>
 </file>
 
@@ -11817,7 +11468,6 @@
               <a:rPr lang="zh-CN" altLang="en-US" dirty="0"/>
               <a:t>方法</a:t>
             </a:r>
-            <a:endParaRPr lang="zh-CN" altLang="en-US" dirty="0"/>
           </a:p>
         </p:txBody>
       </p:sp>
@@ -12001,10 +11651,6 @@
               </a:rPr>
               <a:t>方法表达式</a:t>
             </a:r>
-            <a:endParaRPr lang="zh-CN" altLang="en-US" sz="2800" b="1" dirty="0">
-              <a:latin typeface="微软雅黑" panose="020B0503020204020204" pitchFamily="34" charset="-122"/>
-              <a:ea typeface="微软雅黑" panose="020B0503020204020204" pitchFamily="34" charset="-122"/>
-            </a:endParaRPr>
           </a:p>
         </p:txBody>
       </p:sp>
@@ -12440,14 +12086,14 @@
               <a:buNone/>
             </a:pPr>
             <a:r>
-              <a:rPr lang="en-US" altLang="zh-CN" dirty="0" smtClean="0"/>
+              <a:rPr lang="en-US" altLang="zh-CN" dirty="0"/>
               <a:t>1)	</a:t>
             </a:r>
             <a:r>
-              <a:rPr lang="zh-CN" altLang="en-US" dirty="0" smtClean="0"/>
+              <a:rPr lang="zh-CN" altLang="en-US" dirty="0"/>
               <a:t>方法值</a:t>
             </a:r>
-            <a:endParaRPr lang="en-US" altLang="zh-CN" dirty="0" smtClean="0"/>
+            <a:endParaRPr lang="en-US" altLang="zh-CN" dirty="0"/>
           </a:p>
           <a:p>
             <a:pPr marL="0" indent="0">
@@ -12456,7 +12102,7 @@
               </a:lnSpc>
               <a:buNone/>
             </a:pPr>
-            <a:endParaRPr lang="en-US" altLang="zh-CN" dirty="0" smtClean="0"/>
+            <a:endParaRPr lang="en-US" altLang="zh-CN" dirty="0"/>
           </a:p>
         </p:txBody>
       </p:sp>
@@ -12638,7 +12284,7 @@
               <a:rPr lang="zh-CN" altLang="en-US" dirty="0"/>
               <a:t>在方法表达式赋值时若方法接收者为值类型，则在赋值时会将值类型拷贝（若调用为指针则自动解引用拷贝）</a:t>
             </a:r>
-            <a:endParaRPr lang="en-US" altLang="zh-CN" dirty="0" smtClean="0"/>
+            <a:endParaRPr lang="en-US" altLang="zh-CN" dirty="0"/>
           </a:p>
         </p:txBody>
       </p:sp>
@@ -12652,13 +12298,6 @@
   <p:clrMapOvr>
     <a:masterClrMapping/>
   </p:clrMapOvr>
-  <p:timing>
-    <p:tnLst>
-      <p:par>
-        <p:cTn id="1" dur="indefinite" restart="never" nodeType="tmRoot"/>
-      </p:par>
-    </p:tnLst>
-  </p:timing>
 </p:sld>
 </file>
 
@@ -12698,7 +12337,6 @@
               <a:rPr lang="zh-CN" altLang="en-US" dirty="0"/>
               <a:t>结构体</a:t>
             </a:r>
-            <a:endParaRPr lang="zh-CN" altLang="en-US" dirty="0"/>
           </a:p>
         </p:txBody>
       </p:sp>
@@ -12890,23 +12528,12 @@
           </a:lstStyle>
           <a:p>
             <a:r>
-              <a:rPr lang="zh-CN" altLang="en-US" sz="2800" b="1" dirty="0" smtClean="0">
-                <a:latin typeface="微软雅黑" panose="020B0503020204020204" pitchFamily="34" charset="-122"/>
-                <a:ea typeface="微软雅黑" panose="020B0503020204020204" pitchFamily="34" charset="-122"/>
-              </a:rPr>
-              <a:t>自定义</a:t>
-            </a:r>
-            <a:r>
               <a:rPr lang="zh-CN" altLang="en-US" sz="2800" b="1" dirty="0">
                 <a:latin typeface="微软雅黑" panose="020B0503020204020204" pitchFamily="34" charset="-122"/>
                 <a:ea typeface="微软雅黑" panose="020B0503020204020204" pitchFamily="34" charset="-122"/>
               </a:rPr>
-              <a:t>类型</a:t>
-            </a:r>
-            <a:endParaRPr lang="zh-CN" altLang="en-US" sz="2800" b="1" dirty="0">
-              <a:latin typeface="微软雅黑" panose="020B0503020204020204" pitchFamily="34" charset="-122"/>
-              <a:ea typeface="微软雅黑" panose="020B0503020204020204" pitchFamily="34" charset="-122"/>
-            </a:endParaRPr>
+              <a:t>自定义类型</a:t>
+            </a:r>
           </a:p>
         </p:txBody>
       </p:sp>
@@ -13096,13 +12723,8 @@
             </a:r>
             <a:r>
               <a:rPr lang="zh-CN" altLang="zh-CN" dirty="0"/>
-              <a:t>声明一种新的类型，语法格式为</a:t>
-            </a:r>
-            <a:r>
-              <a:rPr lang="zh-CN" altLang="zh-CN" dirty="0" smtClean="0"/>
-              <a:t>：</a:t>
-            </a:r>
-            <a:endParaRPr lang="zh-CN" altLang="zh-CN" dirty="0"/>
+              <a:t>声明一种新的类型，语法格式为：</a:t>
+            </a:r>
           </a:p>
         </p:txBody>
       </p:sp>
@@ -13138,13 +12760,6 @@
   <p:clrMapOvr>
     <a:masterClrMapping/>
   </p:clrMapOvr>
-  <p:timing>
-    <p:tnLst>
-      <p:par>
-        <p:cTn id="1" dur="indefinite" restart="never" nodeType="tmRoot"/>
-      </p:par>
-    </p:tnLst>
-  </p:timing>
 </p:sld>
 </file>
 
@@ -13184,7 +12799,6 @@
               <a:rPr lang="zh-CN" altLang="en-US" dirty="0"/>
               <a:t>方法</a:t>
             </a:r>
-            <a:endParaRPr lang="zh-CN" altLang="en-US" dirty="0"/>
           </a:p>
         </p:txBody>
       </p:sp>
@@ -13368,10 +12982,6 @@
               </a:rPr>
               <a:t>方法表达式</a:t>
             </a:r>
-            <a:endParaRPr lang="zh-CN" altLang="en-US" sz="2800" b="1" dirty="0">
-              <a:latin typeface="微软雅黑" panose="020B0503020204020204" pitchFamily="34" charset="-122"/>
-              <a:ea typeface="微软雅黑" panose="020B0503020204020204" pitchFamily="34" charset="-122"/>
-            </a:endParaRPr>
           </a:p>
         </p:txBody>
       </p:sp>
@@ -13550,14 +13160,14 @@
               <a:buNone/>
             </a:pPr>
             <a:r>
-              <a:rPr lang="en-US" altLang="zh-CN" dirty="0" smtClean="0"/>
+              <a:rPr lang="en-US" altLang="zh-CN" dirty="0"/>
               <a:t>1)	</a:t>
             </a:r>
             <a:r>
-              <a:rPr lang="zh-CN" altLang="en-US" dirty="0" smtClean="0"/>
+              <a:rPr lang="zh-CN" altLang="en-US" dirty="0"/>
               <a:t>方法值</a:t>
             </a:r>
-            <a:endParaRPr lang="en-US" altLang="zh-CN" dirty="0" smtClean="0"/>
+            <a:endParaRPr lang="en-US" altLang="zh-CN" dirty="0"/>
           </a:p>
           <a:p>
             <a:pPr marL="0" indent="0">
@@ -13566,7 +13176,7 @@
               </a:lnSpc>
               <a:buNone/>
             </a:pPr>
-            <a:endParaRPr lang="en-US" altLang="zh-CN" dirty="0" smtClean="0"/>
+            <a:endParaRPr lang="en-US" altLang="zh-CN" dirty="0"/>
           </a:p>
         </p:txBody>
       </p:sp>
@@ -13624,13 +13234,6 @@
   <p:clrMapOvr>
     <a:masterClrMapping/>
   </p:clrMapOvr>
-  <p:timing>
-    <p:tnLst>
-      <p:par>
-        <p:cTn id="1" dur="indefinite" restart="never" nodeType="tmRoot"/>
-      </p:par>
-    </p:tnLst>
-  </p:timing>
 </p:sld>
 </file>
 
@@ -13670,7 +13273,6 @@
               <a:rPr lang="zh-CN" altLang="en-US" dirty="0"/>
               <a:t>方法</a:t>
             </a:r>
-            <a:endParaRPr lang="zh-CN" altLang="en-US" dirty="0"/>
           </a:p>
         </p:txBody>
       </p:sp>
@@ -13854,10 +13456,6 @@
               </a:rPr>
               <a:t>方法表达式</a:t>
             </a:r>
-            <a:endParaRPr lang="zh-CN" altLang="en-US" sz="2800" b="1" dirty="0">
-              <a:latin typeface="微软雅黑" panose="020B0503020204020204" pitchFamily="34" charset="-122"/>
-              <a:ea typeface="微软雅黑" panose="020B0503020204020204" pitchFamily="34" charset="-122"/>
-            </a:endParaRPr>
           </a:p>
         </p:txBody>
       </p:sp>
@@ -14043,7 +13641,7 @@
               <a:rPr lang="zh-CN" altLang="en-US" dirty="0"/>
               <a:t>方法表达式</a:t>
             </a:r>
-            <a:endParaRPr lang="en-US" altLang="zh-CN" dirty="0" smtClean="0"/>
+            <a:endParaRPr lang="en-US" altLang="zh-CN" dirty="0"/>
           </a:p>
         </p:txBody>
       </p:sp>
@@ -14232,7 +13830,7 @@
               <a:rPr lang="zh-CN" altLang="en-US" dirty="0"/>
               <a:t>自动为指针变量生成隐式的指针类型接收者方法），针对接收者为指针类型则使用类型指针访问。同时在调用时需要传递对应的值对象或指针对象</a:t>
             </a:r>
-            <a:endParaRPr lang="en-US" altLang="zh-CN" dirty="0" smtClean="0"/>
+            <a:endParaRPr lang="en-US" altLang="zh-CN" dirty="0"/>
           </a:p>
         </p:txBody>
       </p:sp>
@@ -14268,13 +13866,6 @@
   <p:clrMapOvr>
     <a:masterClrMapping/>
   </p:clrMapOvr>
-  <p:timing>
-    <p:tnLst>
-      <p:par>
-        <p:cTn id="1" dur="indefinite" restart="never" nodeType="tmRoot"/>
-      </p:par>
-    </p:tnLst>
-  </p:timing>
 </p:sld>
 </file>
 
@@ -14316,10 +13907,9 @@
           <a:lstStyle/>
           <a:p>
             <a:r>
-              <a:rPr lang="zh-CN" altLang="en-US" dirty="0" smtClean="0"/>
+              <a:rPr lang="zh-CN" altLang="en-US" dirty="0"/>
               <a:t>练习</a:t>
             </a:r>
-            <a:endParaRPr lang="zh-CN" altLang="en-US" dirty="0"/>
           </a:p>
         </p:txBody>
       </p:sp>
@@ -14357,13 +13947,6 @@
   <p:clrMapOvr>
     <a:masterClrMapping/>
   </p:clrMapOvr>
-  <p:timing>
-    <p:tnLst>
-      <p:par>
-        <p:cTn id="1" dur="indefinite" restart="never" nodeType="tmRoot"/>
-      </p:par>
-    </p:tnLst>
-  </p:timing>
 </p:sld>
 </file>
 
@@ -14564,16 +14147,12 @@
           </a:lstStyle>
           <a:p>
             <a:r>
-              <a:rPr lang="zh-CN" altLang="en-US" sz="2800" b="1" dirty="0" smtClean="0">
+              <a:rPr lang="zh-CN" altLang="en-US" sz="2800" b="1" dirty="0">
                 <a:latin typeface="微软雅黑" panose="020B0503020204020204" pitchFamily="34" charset="-122"/>
                 <a:ea typeface="微软雅黑" panose="020B0503020204020204" pitchFamily="34" charset="-122"/>
               </a:rPr>
               <a:t>命令行用户管理</a:t>
             </a:r>
-            <a:endParaRPr lang="zh-CN" altLang="en-US" sz="2800" b="1" dirty="0">
-              <a:latin typeface="微软雅黑" panose="020B0503020204020204" pitchFamily="34" charset="-122"/>
-              <a:ea typeface="微软雅黑" panose="020B0503020204020204" pitchFamily="34" charset="-122"/>
-            </a:endParaRPr>
           </a:p>
         </p:txBody>
       </p:sp>
@@ -14587,13 +14166,6 @@
   <p:clrMapOvr>
     <a:masterClrMapping/>
   </p:clrMapOvr>
-  <p:timing>
-    <p:tnLst>
-      <p:par>
-        <p:cTn id="1" dur="indefinite" restart="never" nodeType="tmRoot"/>
-      </p:par>
-    </p:tnLst>
-  </p:timing>
 </p:sld>
 </file>
 
@@ -14636,7 +14208,7 @@
           <a:p>
             <a:pPr algn="ctr"/>
             <a:r>
-              <a:rPr lang="zh-CN" altLang="en-US" sz="4800" dirty="0" smtClean="0">
+              <a:rPr lang="zh-CN" altLang="en-US" sz="4800" dirty="0">
                 <a:latin typeface="微软雅黑" pitchFamily="34" charset="-122"/>
                 <a:ea typeface="微软雅黑" pitchFamily="34" charset="-122"/>
               </a:rPr>
@@ -14666,47 +14238,47 @@
           <a:lstStyle/>
           <a:p>
             <a:r>
-              <a:rPr lang="zh-CN" altLang="en-US" sz="2400" dirty="0" smtClean="0">
+              <a:rPr lang="zh-CN" altLang="en-US" sz="2400" dirty="0">
                 <a:latin typeface="微软雅黑" pitchFamily="34" charset="-122"/>
                 <a:ea typeface="微软雅黑" pitchFamily="34" charset="-122"/>
               </a:rPr>
               <a:t>咨询热线 </a:t>
             </a:r>
             <a:r>
-              <a:rPr lang="en-US" altLang="zh-CN" sz="2400" dirty="0" smtClean="0">
+              <a:rPr lang="en-US" altLang="zh-CN" sz="2400" dirty="0">
                 <a:latin typeface="微软雅黑" pitchFamily="34" charset="-122"/>
                 <a:ea typeface="微软雅黑" pitchFamily="34" charset="-122"/>
               </a:rPr>
               <a:t>400-080-6560</a:t>
             </a:r>
-            <a:endParaRPr lang="zh-CN" altLang="en-US" sz="2400" dirty="0" smtClean="0">
+            <a:endParaRPr lang="zh-CN" altLang="en-US" sz="2400" dirty="0">
               <a:latin typeface="微软雅黑" pitchFamily="34" charset="-122"/>
               <a:ea typeface="微软雅黑" pitchFamily="34" charset="-122"/>
             </a:endParaRPr>
           </a:p>
           <a:p>
             <a:r>
-              <a:rPr lang="zh-CN" altLang="en-US" sz="2400" dirty="0" smtClean="0">
+              <a:rPr lang="zh-CN" altLang="en-US" sz="2400" dirty="0">
                 <a:latin typeface="微软雅黑" pitchFamily="34" charset="-122"/>
                 <a:ea typeface="微软雅黑" pitchFamily="34" charset="-122"/>
               </a:rPr>
               <a:t>官方网站：</a:t>
             </a:r>
             <a:r>
-              <a:rPr lang="en-US" altLang="zh-CN" sz="2400" dirty="0" smtClean="0">
+              <a:rPr lang="en-US" altLang="zh-CN" sz="2400" dirty="0">
                 <a:latin typeface="微软雅黑" pitchFamily="34" charset="-122"/>
                 <a:ea typeface="微软雅黑" pitchFamily="34" charset="-122"/>
               </a:rPr>
               <a:t>http://</a:t>
             </a:r>
             <a:r>
-              <a:rPr lang="en-US" altLang="zh-CN" sz="2400" dirty="0" err="1" smtClean="0">
+              <a:rPr lang="en-US" altLang="zh-CN" sz="2400" dirty="0" err="1">
                 <a:latin typeface="微软雅黑" pitchFamily="34" charset="-122"/>
                 <a:ea typeface="微软雅黑" pitchFamily="34" charset="-122"/>
               </a:rPr>
               <a:t>www.magedu.com</a:t>
             </a:r>
-            <a:endParaRPr lang="en-US" altLang="zh-CN" sz="2400" dirty="0" smtClean="0">
+            <a:endParaRPr lang="en-US" altLang="zh-CN" sz="2400" dirty="0">
               <a:latin typeface="微软雅黑" pitchFamily="34" charset="-122"/>
               <a:ea typeface="微软雅黑" pitchFamily="34" charset="-122"/>
             </a:endParaRPr>
@@ -14926,7 +14498,7 @@
           </a:lstStyle>
           <a:p>
             <a:r>
-              <a:rPr lang="zh-CN" altLang="en-US" sz="4800" dirty="0" smtClean="0">
+              <a:rPr lang="zh-CN" altLang="en-US" sz="4800" dirty="0">
                 <a:latin typeface="微软雅黑" pitchFamily="34" charset="-122"/>
                 <a:ea typeface="微软雅黑" pitchFamily="34" charset="-122"/>
               </a:rPr>
@@ -14940,13 +14512,6 @@
   <p:clrMapOvr>
     <a:masterClrMapping/>
   </p:clrMapOvr>
-  <p:timing>
-    <p:tnLst>
-      <p:par>
-        <p:cTn id="1" dur="indefinite" restart="never" nodeType="tmRoot"/>
-      </p:par>
-    </p:tnLst>
-  </p:timing>
 </p:sld>
 </file>
 
@@ -14986,7 +14551,6 @@
               <a:rPr lang="zh-CN" altLang="en-US" dirty="0"/>
               <a:t>结构体</a:t>
             </a:r>
-            <a:endParaRPr lang="zh-CN" altLang="en-US" dirty="0"/>
           </a:p>
         </p:txBody>
       </p:sp>
@@ -15143,23 +14707,12 @@
           </a:lstStyle>
           <a:p>
             <a:r>
-              <a:rPr lang="zh-CN" altLang="en-US" sz="2800" b="1" dirty="0" smtClean="0">
-                <a:latin typeface="微软雅黑" panose="020B0503020204020204" pitchFamily="34" charset="-122"/>
-                <a:ea typeface="微软雅黑" panose="020B0503020204020204" pitchFamily="34" charset="-122"/>
-              </a:rPr>
-              <a:t>自定义</a:t>
-            </a:r>
-            <a:r>
               <a:rPr lang="zh-CN" altLang="en-US" sz="2800" b="1" dirty="0">
                 <a:latin typeface="微软雅黑" panose="020B0503020204020204" pitchFamily="34" charset="-122"/>
                 <a:ea typeface="微软雅黑" panose="020B0503020204020204" pitchFamily="34" charset="-122"/>
               </a:rPr>
-              <a:t>类型</a:t>
-            </a:r>
-            <a:endParaRPr lang="zh-CN" altLang="en-US" sz="2800" b="1" dirty="0">
-              <a:latin typeface="微软雅黑" panose="020B0503020204020204" pitchFamily="34" charset="-122"/>
-              <a:ea typeface="微软雅黑" panose="020B0503020204020204" pitchFamily="34" charset="-122"/>
-            </a:endParaRPr>
+              <a:t>自定义类型</a:t>
+            </a:r>
           </a:p>
         </p:txBody>
       </p:sp>
@@ -15396,13 +14949,6 @@
   <p:clrMapOvr>
     <a:masterClrMapping/>
   </p:clrMapOvr>
-  <p:timing>
-    <p:tnLst>
-      <p:par>
-        <p:cTn id="1" dur="indefinite" restart="never" nodeType="tmRoot"/>
-      </p:par>
-    </p:tnLst>
-  </p:timing>
 </p:sld>
 </file>
 
@@ -15442,7 +14988,6 @@
               <a:rPr lang="zh-CN" altLang="en-US" dirty="0"/>
               <a:t>结构体</a:t>
             </a:r>
-            <a:endParaRPr lang="zh-CN" altLang="en-US" dirty="0"/>
           </a:p>
         </p:txBody>
       </p:sp>
@@ -15599,16 +15144,12 @@
           </a:lstStyle>
           <a:p>
             <a:r>
-              <a:rPr lang="zh-CN" altLang="en-US" sz="2800" b="1" dirty="0" smtClean="0">
+              <a:rPr lang="zh-CN" altLang="en-US" sz="2800" b="1" dirty="0">
                 <a:latin typeface="微软雅黑" panose="020B0503020204020204" pitchFamily="34" charset="-122"/>
                 <a:ea typeface="微软雅黑" panose="020B0503020204020204" pitchFamily="34" charset="-122"/>
               </a:rPr>
               <a:t>定义</a:t>
             </a:r>
-            <a:endParaRPr lang="zh-CN" altLang="en-US" sz="2800" b="1" dirty="0">
-              <a:latin typeface="微软雅黑" panose="020B0503020204020204" pitchFamily="34" charset="-122"/>
-              <a:ea typeface="微软雅黑" panose="020B0503020204020204" pitchFamily="34" charset="-122"/>
-            </a:endParaRPr>
           </a:p>
         </p:txBody>
       </p:sp>
@@ -15793,13 +15334,6 @@
   <p:clrMapOvr>
     <a:masterClrMapping/>
   </p:clrMapOvr>
-  <p:timing>
-    <p:tnLst>
-      <p:par>
-        <p:cTn id="1" dur="indefinite" restart="never" nodeType="tmRoot"/>
-      </p:par>
-    </p:tnLst>
-  </p:timing>
 </p:sld>
 </file>
 
@@ -15839,7 +15373,6 @@
               <a:rPr lang="zh-CN" altLang="en-US" dirty="0"/>
               <a:t>结构体</a:t>
             </a:r>
-            <a:endParaRPr lang="zh-CN" altLang="en-US" dirty="0"/>
           </a:p>
         </p:txBody>
       </p:sp>
@@ -16002,10 +15535,6 @@
               </a:rPr>
               <a:t>声明</a:t>
             </a:r>
-            <a:endParaRPr lang="zh-CN" altLang="en-US" sz="2800" b="1" dirty="0">
-              <a:latin typeface="微软雅黑" panose="020B0503020204020204" pitchFamily="34" charset="-122"/>
-              <a:ea typeface="微软雅黑" panose="020B0503020204020204" pitchFamily="34" charset="-122"/>
-            </a:endParaRPr>
           </a:p>
         </p:txBody>
       </p:sp>
@@ -16186,13 +15715,6 @@
   <p:clrMapOvr>
     <a:masterClrMapping/>
   </p:clrMapOvr>
-  <p:timing>
-    <p:tnLst>
-      <p:par>
-        <p:cTn id="1" dur="indefinite" restart="never" nodeType="tmRoot"/>
-      </p:par>
-    </p:tnLst>
-  </p:timing>
 </p:sld>
 </file>
 
@@ -16232,7 +15754,6 @@
               <a:rPr lang="zh-CN" altLang="en-US" dirty="0"/>
               <a:t>结构体</a:t>
             </a:r>
-            <a:endParaRPr lang="zh-CN" altLang="en-US" dirty="0"/>
           </a:p>
         </p:txBody>
       </p:sp>
@@ -16389,16 +15910,12 @@
           </a:lstStyle>
           <a:p>
             <a:r>
-              <a:rPr lang="zh-CN" altLang="en-US" sz="2800" b="1" dirty="0" smtClean="0">
+              <a:rPr lang="zh-CN" altLang="en-US" sz="2800" b="1" dirty="0">
                 <a:latin typeface="微软雅黑" panose="020B0503020204020204" pitchFamily="34" charset="-122"/>
                 <a:ea typeface="微软雅黑" panose="020B0503020204020204" pitchFamily="34" charset="-122"/>
               </a:rPr>
               <a:t>初始化</a:t>
             </a:r>
-            <a:endParaRPr lang="zh-CN" altLang="en-US" sz="2800" b="1" dirty="0">
-              <a:latin typeface="微软雅黑" panose="020B0503020204020204" pitchFamily="34" charset="-122"/>
-              <a:ea typeface="微软雅黑" panose="020B0503020204020204" pitchFamily="34" charset="-122"/>
-            </a:endParaRPr>
           </a:p>
         </p:txBody>
       </p:sp>
@@ -16547,13 +16064,9 @@
             </a:pPr>
             <a:r>
               <a:rPr lang="zh-CN" altLang="zh-CN" dirty="0"/>
-              <a:t>使用结构体零值初始化结构体值</a:t>
-            </a:r>
-            <a:r>
-              <a:rPr lang="zh-CN" altLang="zh-CN" dirty="0" smtClean="0"/>
-              <a:t>对象</a:t>
-            </a:r>
-            <a:endParaRPr lang="en-US" altLang="zh-CN" dirty="0" smtClean="0"/>
+              <a:t>使用结构体零值初始化结构体值对象</a:t>
+            </a:r>
+            <a:endParaRPr lang="en-US" altLang="zh-CN" dirty="0"/>
           </a:p>
           <a:p>
             <a:pPr marL="457200" lvl="0" indent="-457200">
@@ -16569,13 +16082,8 @@
             </a:pPr>
             <a:r>
               <a:rPr lang="zh-CN" altLang="zh-CN" dirty="0"/>
-              <a:t>使用结构体字面量初始化结构体值</a:t>
-            </a:r>
-            <a:r>
-              <a:rPr lang="zh-CN" altLang="zh-CN" dirty="0" smtClean="0"/>
-              <a:t>对象</a:t>
-            </a:r>
-            <a:endParaRPr lang="zh-CN" altLang="zh-CN" dirty="0"/>
+              <a:t>使用结构体字面量初始化结构体值对象</a:t>
+            </a:r>
           </a:p>
         </p:txBody>
       </p:sp>
@@ -16633,13 +16141,6 @@
   <p:clrMapOvr>
     <a:masterClrMapping/>
   </p:clrMapOvr>
-  <p:timing>
-    <p:tnLst>
-      <p:par>
-        <p:cTn id="1" dur="indefinite" restart="never" nodeType="tmRoot"/>
-      </p:par>
-    </p:tnLst>
-  </p:timing>
 </p:sld>
 </file>
 
@@ -16679,7 +16180,6 @@
               <a:rPr lang="zh-CN" altLang="en-US" dirty="0"/>
               <a:t>结构体</a:t>
             </a:r>
-            <a:endParaRPr lang="zh-CN" altLang="en-US" dirty="0"/>
           </a:p>
         </p:txBody>
       </p:sp>
@@ -16836,16 +16336,12 @@
           </a:lstStyle>
           <a:p>
             <a:r>
-              <a:rPr lang="zh-CN" altLang="en-US" sz="2800" b="1" dirty="0" smtClean="0">
+              <a:rPr lang="zh-CN" altLang="en-US" sz="2800" b="1" dirty="0">
                 <a:latin typeface="微软雅黑" panose="020B0503020204020204" pitchFamily="34" charset="-122"/>
                 <a:ea typeface="微软雅黑" panose="020B0503020204020204" pitchFamily="34" charset="-122"/>
               </a:rPr>
               <a:t>初始化</a:t>
             </a:r>
-            <a:endParaRPr lang="zh-CN" altLang="en-US" sz="2800" b="1" dirty="0">
-              <a:latin typeface="微软雅黑" panose="020B0503020204020204" pitchFamily="34" charset="-122"/>
-              <a:ea typeface="微软雅黑" panose="020B0503020204020204" pitchFamily="34" charset="-122"/>
-            </a:endParaRPr>
           </a:p>
         </p:txBody>
       </p:sp>
@@ -16993,7 +16489,7 @@
               <a:buAutoNum type="alphaLcParenR" startAt="3"/>
             </a:pPr>
             <a:r>
-              <a:rPr lang="zh-CN" altLang="en-US" dirty="0" smtClean="0"/>
+              <a:rPr lang="zh-CN" altLang="en-US" dirty="0"/>
               <a:t>使用</a:t>
             </a:r>
             <a:r>
@@ -17002,20 +16498,9 @@
             </a:r>
             <a:r>
               <a:rPr lang="zh-CN" altLang="en-US" dirty="0"/>
-              <a:t>函数进行初始化结构体指针</a:t>
-            </a:r>
-            <a:r>
-              <a:rPr lang="zh-CN" altLang="en-US" dirty="0" smtClean="0"/>
-              <a:t>对象</a:t>
-            </a:r>
-            <a:endParaRPr lang="en-US" altLang="zh-CN" dirty="0" smtClean="0"/>
-          </a:p>
-          <a:p>
-            <a:pPr marL="457200" lvl="0" indent="-457200">
-              <a:buFont typeface="+mj-lt"/>
-              <a:buAutoNum type="alphaLcParenR" startAt="3"/>
-            </a:pPr>
-            <a:endParaRPr lang="en-US" altLang="zh-CN" dirty="0" smtClean="0"/>
+              <a:t>函数进行初始化结构体指针对象</a:t>
+            </a:r>
+            <a:endParaRPr lang="en-US" altLang="zh-CN" dirty="0"/>
           </a:p>
           <a:p>
             <a:pPr marL="457200" lvl="0" indent="-457200">
@@ -17025,17 +16510,20 @@
             <a:endParaRPr lang="en-US" altLang="zh-CN" dirty="0"/>
           </a:p>
           <a:p>
+            <a:pPr marL="457200" lvl="0" indent="-457200">
+              <a:buFont typeface="+mj-lt"/>
+              <a:buAutoNum type="alphaLcParenR" startAt="3"/>
+            </a:pPr>
+            <a:endParaRPr lang="en-US" altLang="zh-CN" dirty="0"/>
+          </a:p>
+          <a:p>
             <a:pPr marL="457200" indent="-457200">
               <a:buFont typeface="+mj-lt"/>
               <a:buAutoNum type="alphaLcParenR" startAt="3"/>
             </a:pPr>
             <a:r>
-              <a:rPr lang="zh-CN" altLang="en-US" dirty="0" smtClean="0"/>
-              <a:t>使用</a:t>
-            </a:r>
-            <a:r>
               <a:rPr lang="zh-CN" altLang="en-US" dirty="0"/>
-              <a:t>结构体字面量初始化结构体指针对象</a:t>
+              <a:t>使用结构体字面量初始化结构体指针对象</a:t>
             </a:r>
             <a:endParaRPr lang="zh-CN" altLang="zh-CN" dirty="0"/>
           </a:p>
@@ -17095,13 +16583,6 @@
   <p:clrMapOvr>
     <a:masterClrMapping/>
   </p:clrMapOvr>
-  <p:timing>
-    <p:tnLst>
-      <p:par>
-        <p:cTn id="1" dur="indefinite" restart="never" nodeType="tmRoot"/>
-      </p:par>
-    </p:tnLst>
-  </p:timing>
 </p:sld>
 </file>
 
@@ -17141,7 +16622,6 @@
               <a:rPr lang="zh-CN" altLang="en-US" dirty="0"/>
               <a:t>结构体</a:t>
             </a:r>
-            <a:endParaRPr lang="zh-CN" altLang="en-US" dirty="0"/>
           </a:p>
         </p:txBody>
       </p:sp>
@@ -17298,7 +16778,7 @@
           </a:lstStyle>
           <a:p>
             <a:r>
-              <a:rPr lang="en-US" altLang="zh-CN" sz="2800" b="1" dirty="0" smtClean="0">
+              <a:rPr lang="en-US" altLang="zh-CN" sz="2800" b="1" dirty="0">
                 <a:latin typeface="微软雅黑" panose="020B0503020204020204" pitchFamily="34" charset="-122"/>
                 <a:ea typeface="微软雅黑" panose="020B0503020204020204" pitchFamily="34" charset="-122"/>
               </a:rPr>
@@ -17311,10 +16791,6 @@
               </a:rPr>
               <a:t>函数</a:t>
             </a:r>
-            <a:endParaRPr lang="zh-CN" altLang="en-US" sz="2800" b="1" dirty="0">
-              <a:latin typeface="微软雅黑" panose="020B0503020204020204" pitchFamily="34" charset="-122"/>
-              <a:ea typeface="微软雅黑" panose="020B0503020204020204" pitchFamily="34" charset="-122"/>
-            </a:endParaRPr>
           </a:p>
         </p:txBody>
       </p:sp>
@@ -17573,13 +17049,6 @@
   <p:clrMapOvr>
     <a:masterClrMapping/>
   </p:clrMapOvr>
-  <p:timing>
-    <p:tnLst>
-      <p:par>
-        <p:cTn id="1" dur="indefinite" restart="never" nodeType="tmRoot"/>
-      </p:par>
-    </p:tnLst>
-  </p:timing>
 </p:sld>
 </file>
 
